--- a/Abbildungen/wtfi_4_zufallsvariable.pptx
+++ b/Abbildungen/wtfi_4_zufallsvariable.pptx
@@ -243,7 +243,7 @@
           <a:p>
             <a:fld id="{8AF585A9-EC53-4DF8-99B3-3A6DC3B03516}" type="datetimeFigureOut">
               <a:rPr lang="de-DE" smtClean="0"/>
-              <a:t>10.09.2021</a:t>
+              <a:t>30.10.2022</a:t>
             </a:fld>
             <a:endParaRPr lang="de-DE"/>
           </a:p>
@@ -413,7 +413,7 @@
           <a:p>
             <a:fld id="{8AF585A9-EC53-4DF8-99B3-3A6DC3B03516}" type="datetimeFigureOut">
               <a:rPr lang="de-DE" smtClean="0"/>
-              <a:t>10.09.2021</a:t>
+              <a:t>30.10.2022</a:t>
             </a:fld>
             <a:endParaRPr lang="de-DE"/>
           </a:p>
@@ -593,7 +593,7 @@
           <a:p>
             <a:fld id="{8AF585A9-EC53-4DF8-99B3-3A6DC3B03516}" type="datetimeFigureOut">
               <a:rPr lang="de-DE" smtClean="0"/>
-              <a:t>10.09.2021</a:t>
+              <a:t>30.10.2022</a:t>
             </a:fld>
             <a:endParaRPr lang="de-DE"/>
           </a:p>
@@ -763,7 +763,7 @@
           <a:p>
             <a:fld id="{8AF585A9-EC53-4DF8-99B3-3A6DC3B03516}" type="datetimeFigureOut">
               <a:rPr lang="de-DE" smtClean="0"/>
-              <a:t>10.09.2021</a:t>
+              <a:t>30.10.2022</a:t>
             </a:fld>
             <a:endParaRPr lang="de-DE"/>
           </a:p>
@@ -1007,7 +1007,7 @@
           <a:p>
             <a:fld id="{8AF585A9-EC53-4DF8-99B3-3A6DC3B03516}" type="datetimeFigureOut">
               <a:rPr lang="de-DE" smtClean="0"/>
-              <a:t>10.09.2021</a:t>
+              <a:t>30.10.2022</a:t>
             </a:fld>
             <a:endParaRPr lang="de-DE"/>
           </a:p>
@@ -1239,7 +1239,7 @@
           <a:p>
             <a:fld id="{8AF585A9-EC53-4DF8-99B3-3A6DC3B03516}" type="datetimeFigureOut">
               <a:rPr lang="de-DE" smtClean="0"/>
-              <a:t>10.09.2021</a:t>
+              <a:t>30.10.2022</a:t>
             </a:fld>
             <a:endParaRPr lang="de-DE"/>
           </a:p>
@@ -1606,7 +1606,7 @@
           <a:p>
             <a:fld id="{8AF585A9-EC53-4DF8-99B3-3A6DC3B03516}" type="datetimeFigureOut">
               <a:rPr lang="de-DE" smtClean="0"/>
-              <a:t>10.09.2021</a:t>
+              <a:t>30.10.2022</a:t>
             </a:fld>
             <a:endParaRPr lang="de-DE"/>
           </a:p>
@@ -1724,7 +1724,7 @@
           <a:p>
             <a:fld id="{8AF585A9-EC53-4DF8-99B3-3A6DC3B03516}" type="datetimeFigureOut">
               <a:rPr lang="de-DE" smtClean="0"/>
-              <a:t>10.09.2021</a:t>
+              <a:t>30.10.2022</a:t>
             </a:fld>
             <a:endParaRPr lang="de-DE"/>
           </a:p>
@@ -1819,7 +1819,7 @@
           <a:p>
             <a:fld id="{8AF585A9-EC53-4DF8-99B3-3A6DC3B03516}" type="datetimeFigureOut">
               <a:rPr lang="de-DE" smtClean="0"/>
-              <a:t>10.09.2021</a:t>
+              <a:t>30.10.2022</a:t>
             </a:fld>
             <a:endParaRPr lang="de-DE"/>
           </a:p>
@@ -2096,7 +2096,7 @@
           <a:p>
             <a:fld id="{8AF585A9-EC53-4DF8-99B3-3A6DC3B03516}" type="datetimeFigureOut">
               <a:rPr lang="de-DE" smtClean="0"/>
-              <a:t>10.09.2021</a:t>
+              <a:t>30.10.2022</a:t>
             </a:fld>
             <a:endParaRPr lang="de-DE"/>
           </a:p>
@@ -2353,7 +2353,7 @@
           <a:p>
             <a:fld id="{8AF585A9-EC53-4DF8-99B3-3A6DC3B03516}" type="datetimeFigureOut">
               <a:rPr lang="de-DE" smtClean="0"/>
-              <a:t>10.09.2021</a:t>
+              <a:t>30.10.2022</a:t>
             </a:fld>
             <a:endParaRPr lang="de-DE"/>
           </a:p>
@@ -2566,7 +2566,7 @@
           <a:p>
             <a:fld id="{8AF585A9-EC53-4DF8-99B3-3A6DC3B03516}" type="datetimeFigureOut">
               <a:rPr lang="de-DE" smtClean="0"/>
-              <a:t>10.09.2021</a:t>
+              <a:t>30.10.2022</a:t>
             </a:fld>
             <a:endParaRPr lang="de-DE"/>
           </a:p>
@@ -2988,7 +2988,7 @@
             <p:spPr>
               <a:xfrm>
                 <a:off x="4247762" y="1897001"/>
-                <a:ext cx="1086772" cy="346249"/>
+                <a:ext cx="1134093" cy="369332"/>
               </a:xfrm>
               <a:prstGeom prst="rect">
                 <a:avLst/>
@@ -3009,10 +3009,10 @@
                     </m:oMathParaPr>
                     <m:oMath xmlns:m="http://schemas.openxmlformats.org/officeDocument/2006/math">
                       <m:r>
-                        <a:rPr lang="de-DE" i="1">
+                        <a:rPr lang="de-DE" b="0" i="1" smtClean="0">
                           <a:latin typeface="Cambria Math" panose="02040503050406030204" pitchFamily="18" charset="0"/>
                         </a:rPr>
-                        <m:t>𝑋</m:t>
+                        <m:t>𝜉</m:t>
                       </m:r>
                       <m:r>
                         <a:rPr lang="de-DE" i="1">
@@ -3067,7 +3067,7 @@
             <p:spPr>
               <a:xfrm>
                 <a:off x="4247762" y="1897001"/>
-                <a:ext cx="1086772" cy="346249"/>
+                <a:ext cx="1134093" cy="369332"/>
               </a:xfrm>
               <a:prstGeom prst="rect">
                 <a:avLst/>
@@ -3075,7 +3075,7 @@
               <a:blipFill>
                 <a:blip r:embed="rId2"/>
                 <a:stretch>
-                  <a:fillRect/>
+                  <a:fillRect b="-13115"/>
                 </a:stretch>
               </a:blipFill>
             </p:spPr>
@@ -3084,7 +3084,7 @@
               <a:lstStyle/>
               <a:p>
                 <a:r>
-                  <a:rPr lang="en-GB">
+                  <a:rPr lang="de-DE">
                     <a:noFill/>
                   </a:rPr>
                   <a:t> </a:t>
@@ -3111,7 +3111,7 @@
             <p:spPr>
               <a:xfrm>
                 <a:off x="1117502" y="4857990"/>
-                <a:ext cx="4304833" cy="378886"/>
+                <a:ext cx="4755020" cy="413959"/>
               </a:xfrm>
               <a:prstGeom prst="rect">
                 <a:avLst/>
@@ -3134,7 +3134,7 @@
                       <m:sSub>
                         <m:sSubPr>
                           <m:ctrlPr>
-                            <a:rPr lang="de-DE" i="1">
+                            <a:rPr lang="de-DE" i="1" smtClean="0">
                               <a:latin typeface="Cambria Math" panose="02040503050406030204" pitchFamily="18" charset="0"/>
                             </a:rPr>
                           </m:ctrlPr>
@@ -3165,10 +3165,10 @@
                                 </m:sSupPr>
                                 <m:e>
                                   <m:r>
-                                    <a:rPr lang="de-DE" i="1">
+                                    <a:rPr lang="de-DE" b="0" i="1" smtClean="0">
                                       <a:latin typeface="Cambria Math" panose="02040503050406030204" pitchFamily="18" charset="0"/>
                                     </a:rPr>
-                                    <m:t>𝑋</m:t>
+                                    <m:t>𝜉</m:t>
                                   </m:r>
                                 </m:e>
                                 <m:sup>
@@ -3254,10 +3254,10 @@
                                 <m:t>|</m:t>
                               </m:r>
                               <m:r>
-                                <a:rPr lang="de-DE" i="1">
+                                <a:rPr lang="de-DE" b="0" i="1" smtClean="0">
                                   <a:latin typeface="Cambria Math" panose="02040503050406030204" pitchFamily="18" charset="0"/>
                                 </a:rPr>
-                                <m:t>𝑋</m:t>
+                                <m:t>𝜉</m:t>
                               </m:r>
                               <m:d>
                                 <m:dPr>
@@ -3311,10 +3311,10 @@
                         </m:e>
                         <m:sub>
                           <m:r>
-                            <a:rPr lang="de-DE" i="1">
+                            <a:rPr lang="de-DE" b="0" i="1" smtClean="0">
                               <a:latin typeface="Cambria Math" panose="02040503050406030204" pitchFamily="18" charset="0"/>
                             </a:rPr>
-                            <m:t>𝑋</m:t>
+                            <m:t>𝜉</m:t>
                           </m:r>
                         </m:sub>
                       </m:sSub>
@@ -3362,7 +3362,7 @@
             <p:spPr>
               <a:xfrm>
                 <a:off x="1117502" y="4857990"/>
-                <a:ext cx="4304833" cy="378886"/>
+                <a:ext cx="4755020" cy="413959"/>
               </a:xfrm>
               <a:prstGeom prst="rect">
                 <a:avLst/>
@@ -3370,7 +3370,7 @@
               <a:blipFill>
                 <a:blip r:embed="rId3"/>
                 <a:stretch>
-                  <a:fillRect r="-7082" b="-19355"/>
+                  <a:fillRect b="-8824"/>
                 </a:stretch>
               </a:blipFill>
             </p:spPr>
@@ -3379,7 +3379,7 @@
               <a:lstStyle/>
               <a:p>
                 <a:r>
-                  <a:rPr lang="en-GB">
+                  <a:rPr lang="de-DE">
                     <a:noFill/>
                   </a:rPr>
                   <a:t> </a:t>
@@ -3707,7 +3707,7 @@
               <p:spPr>
                 <a:xfrm>
                   <a:off x="2379499" y="2512502"/>
-                  <a:ext cx="882549" cy="346249"/>
+                  <a:ext cx="907300" cy="369332"/>
                 </a:xfrm>
                 <a:prstGeom prst="rect">
                   <a:avLst/>
@@ -3730,17 +3730,17 @@
                         <m:sSup>
                           <m:sSupPr>
                             <m:ctrlPr>
-                              <a:rPr lang="de-DE" i="1">
+                              <a:rPr lang="de-DE" i="1" smtClean="0">
                                 <a:latin typeface="Cambria Math" panose="02040503050406030204" pitchFamily="18" charset="0"/>
                               </a:rPr>
                             </m:ctrlPr>
                           </m:sSupPr>
                           <m:e>
                             <m:r>
-                              <a:rPr lang="de-DE" i="1">
+                              <a:rPr lang="de-DE" b="0" i="1" smtClean="0">
                                 <a:latin typeface="Cambria Math" panose="02040503050406030204" pitchFamily="18" charset="0"/>
                               </a:rPr>
-                              <m:t>𝑋</m:t>
+                              <m:t>𝜉</m:t>
                             </m:r>
                           </m:e>
                           <m:sup>
@@ -3796,7 +3796,7 @@
               <p:spPr>
                 <a:xfrm>
                   <a:off x="2379499" y="2512502"/>
-                  <a:ext cx="882549" cy="346249"/>
+                  <a:ext cx="907300" cy="369332"/>
                 </a:xfrm>
                 <a:prstGeom prst="rect">
                   <a:avLst/>
@@ -3804,7 +3804,7 @@
                 <a:blipFill>
                   <a:blip r:embed="rId6"/>
                   <a:stretch>
-                    <a:fillRect r="-3472" b="-21429"/>
+                    <a:fillRect b="-13333"/>
                   </a:stretch>
                 </a:blipFill>
               </p:spPr>
@@ -3813,7 +3813,7 @@
                 <a:lstStyle/>
                 <a:p>
                   <a:r>
-                    <a:rPr lang="en-GB">
+                    <a:rPr lang="de-DE">
                       <a:noFill/>
                     </a:rPr>
                     <a:t> </a:t>
@@ -3878,8 +3878,8 @@
             </a:p>
           </p:txBody>
         </p:sp>
-        <mc:AlternateContent xmlns:mc="http://schemas.openxmlformats.org/markup-compatibility/2006">
-          <mc:Choice xmlns:a14="http://schemas.microsoft.com/office/drawing/2010/main" Requires="a14">
+        <mc:AlternateContent xmlns:mc="http://schemas.openxmlformats.org/markup-compatibility/2006" xmlns:a14="http://schemas.microsoft.com/office/drawing/2010/main">
+          <mc:Choice Requires="a14">
             <p:sp>
               <p:nvSpPr>
                 <p:cNvPr id="29" name="Textfeld 28">
@@ -3968,7 +3968,7 @@
               </p:txBody>
             </p:sp>
           </mc:Choice>
-          <mc:Fallback>
+          <mc:Fallback xmlns="">
             <p:sp>
               <p:nvSpPr>
                 <p:cNvPr id="29" name="Textfeld 28">
@@ -4086,7 +4086,7 @@
             <p:spPr>
               <a:xfrm>
                 <a:off x="3555649" y="4108659"/>
-                <a:ext cx="1137747" cy="346249"/>
+                <a:ext cx="1211934" cy="393826"/>
               </a:xfrm>
               <a:prstGeom prst="rect">
                 <a:avLst/>
@@ -4107,31 +4107,31 @@
                     </m:oMathParaPr>
                     <m:oMath xmlns:m="http://schemas.openxmlformats.org/officeDocument/2006/math">
                       <m:r>
-                        <a:rPr lang="de-DE" i="1">
+                        <a:rPr lang="de-DE" i="1" smtClean="0">
                           <a:latin typeface="Cambria Math" panose="02040503050406030204" pitchFamily="18" charset="0"/>
                         </a:rPr>
                         <m:t>(</m:t>
                       </m:r>
                       <m:r>
-                        <a:rPr lang="de-DE" i="1">
+                        <a:rPr lang="de-DE" i="1" smtClean="0">
                           <a:latin typeface="Cambria Math" panose="02040503050406030204" pitchFamily="18" charset="0"/>
                         </a:rPr>
                         <m:t>𝒳</m:t>
                       </m:r>
                       <m:r>
-                        <a:rPr lang="de-DE" i="1">
+                        <a:rPr lang="de-DE" i="1" smtClean="0">
                           <a:latin typeface="Cambria Math" panose="02040503050406030204" pitchFamily="18" charset="0"/>
                         </a:rPr>
                         <m:t>,</m:t>
                       </m:r>
                       <m:r>
-                        <a:rPr lang="de-DE" i="1">
+                        <a:rPr lang="de-DE" i="1" smtClean="0">
                           <a:latin typeface="Cambria Math" panose="02040503050406030204" pitchFamily="18" charset="0"/>
                         </a:rPr>
                         <m:t>𝒮</m:t>
                       </m:r>
                       <m:r>
-                        <a:rPr lang="de-DE" i="1">
+                        <a:rPr lang="de-DE" i="1" smtClean="0">
                           <a:latin typeface="Cambria Math" panose="02040503050406030204" pitchFamily="18" charset="0"/>
                         </a:rPr>
                         <m:t>,</m:t>
@@ -4154,10 +4154,10 @@
                         </m:e>
                         <m:sub>
                           <m:r>
-                            <a:rPr lang="de-DE" i="1">
+                            <a:rPr lang="de-DE" b="0" i="1" smtClean="0">
                               <a:latin typeface="Cambria Math" panose="02040503050406030204" pitchFamily="18" charset="0"/>
                             </a:rPr>
-                            <m:t>𝑋</m:t>
+                            <m:t>𝜉</m:t>
                           </m:r>
                         </m:sub>
                       </m:sSub>
@@ -4193,7 +4193,7 @@
             <p:spPr>
               <a:xfrm>
                 <a:off x="3555649" y="4108659"/>
-                <a:ext cx="1137747" cy="346249"/>
+                <a:ext cx="1211934" cy="393826"/>
               </a:xfrm>
               <a:prstGeom prst="rect">
                 <a:avLst/>
@@ -4201,7 +4201,7 @@
               <a:blipFill>
                 <a:blip r:embed="rId8"/>
                 <a:stretch>
-                  <a:fillRect l="-1604" r="-4278" b="-19298"/>
+                  <a:fillRect b="-9231"/>
                 </a:stretch>
               </a:blipFill>
             </p:spPr>
@@ -4210,7 +4210,7 @@
               <a:lstStyle/>
               <a:p>
                 <a:r>
-                  <a:rPr lang="en-GB">
+                  <a:rPr lang="de-DE">
                     <a:noFill/>
                   </a:rPr>
                   <a:t> </a:t>
@@ -4220,8 +4220,8 @@
           </p:sp>
         </mc:Fallback>
       </mc:AlternateContent>
-      <mc:AlternateContent xmlns:mc="http://schemas.openxmlformats.org/markup-compatibility/2006">
-        <mc:Choice xmlns:a14="http://schemas.microsoft.com/office/drawing/2010/main" Requires="a14">
+      <mc:AlternateContent xmlns:mc="http://schemas.openxmlformats.org/markup-compatibility/2006" xmlns:a14="http://schemas.microsoft.com/office/drawing/2010/main">
+        <mc:Choice Requires="a14">
           <p:sp>
             <p:nvSpPr>
               <p:cNvPr id="33" name="Ellipse 32">
@@ -4292,7 +4292,7 @@
             </p:txBody>
           </p:sp>
         </mc:Choice>
-        <mc:Fallback>
+        <mc:Fallback xmlns="">
           <p:sp>
             <p:nvSpPr>
               <p:cNvPr id="33" name="Ellipse 32">
@@ -4342,8 +4342,8 @@
           </p:sp>
         </mc:Fallback>
       </mc:AlternateContent>
-      <mc:AlternateContent xmlns:mc="http://schemas.openxmlformats.org/markup-compatibility/2006">
-        <mc:Choice xmlns:a14="http://schemas.microsoft.com/office/drawing/2010/main" Requires="a14">
+      <mc:AlternateContent xmlns:mc="http://schemas.openxmlformats.org/markup-compatibility/2006" xmlns:a14="http://schemas.microsoft.com/office/drawing/2010/main">
+        <mc:Choice Requires="a14">
           <p:sp>
             <p:nvSpPr>
               <p:cNvPr id="34" name="Rechteck 33">
@@ -4392,7 +4392,7 @@
             </p:txBody>
           </p:sp>
         </mc:Choice>
-        <mc:Fallback>
+        <mc:Fallback xmlns="">
           <p:sp>
             <p:nvSpPr>
               <p:cNvPr id="34" name="Rechteck 33">
@@ -4597,8 +4597,8 @@
           </a:p>
         </p:txBody>
       </p:sp>
-      <mc:AlternateContent xmlns:mc="http://schemas.openxmlformats.org/markup-compatibility/2006">
-        <mc:Choice xmlns:a14="http://schemas.microsoft.com/office/drawing/2010/main" Requires="a14">
+      <mc:AlternateContent xmlns:mc="http://schemas.openxmlformats.org/markup-compatibility/2006" xmlns:a14="http://schemas.microsoft.com/office/drawing/2010/main">
+        <mc:Choice Requires="a14">
           <p:sp>
             <p:nvSpPr>
               <p:cNvPr id="36" name="Rechteck 35">
@@ -4647,7 +4647,7 @@
             </p:txBody>
           </p:sp>
         </mc:Choice>
-        <mc:Fallback>
+        <mc:Fallback xmlns="">
           <p:sp>
             <p:nvSpPr>
               <p:cNvPr id="36" name="Rechteck 35">
